--- a/research/UNL_SCM.pptx
+++ b/research/UNL_SCM.pptx
@@ -4271,8 +4271,8 @@
                         <m:naryPr>
                           <m:chr m:val="∑"/>
                           <m:limLoc m:val="undOvr"/>
-                          <m:subHide m:val="off"/>
-                          <m:supHide m:val="off"/>
+                          <m:subHide m:val="0"/>
+                          <m:supHide m:val="0"/>
                         </m:naryPr>
                         <m:sub>
                           <m:r>
@@ -4298,8 +4298,8 @@
                             <m:naryPr>
                               <m:chr m:val="∑"/>
                               <m:limLoc m:val="undOvr"/>
-                              <m:subHide m:val="off"/>
-                              <m:supHide m:val="off"/>
+                              <m:subHide m:val="0"/>
+                              <m:supHide m:val="0"/>
                             </m:naryPr>
                             <m:sub>
                               <m:r>
@@ -4375,8 +4375,8 @@
                         <m:naryPr>
                           <m:chr m:val="∑"/>
                           <m:limLoc m:val="undOvr"/>
-                          <m:subHide m:val="off"/>
-                          <m:supHide m:val="off"/>
+                          <m:subHide m:val="0"/>
+                          <m:supHide m:val="0"/>
                         </m:naryPr>
                         <m:sub>
                           <m:r>
@@ -4402,8 +4402,8 @@
                             <m:naryPr>
                               <m:chr m:val="∑"/>
                               <m:limLoc m:val="undOvr"/>
-                              <m:subHide m:val="off"/>
-                              <m:supHide m:val="off"/>
+                              <m:subHide m:val="0"/>
+                              <m:supHide m:val="0"/>
                             </m:naryPr>
                             <m:sub>
                               <m:r>
@@ -4486,8 +4486,8 @@
                         <m:naryPr>
                           <m:chr m:val="∑"/>
                           <m:limLoc m:val="undOvr"/>
-                          <m:subHide m:val="off"/>
-                          <m:supHide m:val="off"/>
+                          <m:subHide m:val="0"/>
+                          <m:supHide m:val="0"/>
                         </m:naryPr>
                         <m:sub>
                           <m:r>
@@ -5459,8 +5459,8 @@
                         <m:naryPr>
                           <m:chr m:val="∑"/>
                           <m:limLoc m:val="undOvr"/>
-                          <m:subHide m:val="off"/>
-                          <m:supHide m:val="off"/>
+                          <m:subHide m:val="0"/>
+                          <m:supHide m:val="0"/>
                         </m:naryPr>
                         <m:sub>
                           <m:r>
@@ -5815,8 +5815,8 @@
                         <m:naryPr>
                           <m:chr m:val="∑"/>
                           <m:limLoc m:val="undOvr"/>
-                          <m:subHide m:val="off"/>
-                          <m:supHide m:val="off"/>
+                          <m:subHide m:val="0"/>
+                          <m:supHide m:val="0"/>
                         </m:naryPr>
                         <m:sub>
                           <m:r>
@@ -5887,8 +5887,8 @@
                         <m:naryPr>
                           <m:chr m:val="∑"/>
                           <m:limLoc m:val="undOvr"/>
-                          <m:subHide m:val="off"/>
-                          <m:supHide m:val="off"/>
+                          <m:subHide m:val="0"/>
+                          <m:supHide m:val="0"/>
                         </m:naryPr>
                         <m:sub>
                           <m:r>
@@ -6029,8 +6029,8 @@
                         <m:naryPr>
                           <m:chr m:val="∑"/>
                           <m:limLoc m:val="undOvr"/>
-                          <m:subHide m:val="off"/>
-                          <m:supHide m:val="off"/>
+                          <m:subHide m:val="0"/>
+                          <m:supHide m:val="0"/>
                         </m:naryPr>
                         <m:sub>
                           <m:r>
@@ -6151,8 +6151,8 @@
                         <m:naryPr>
                           <m:chr m:val="∑"/>
                           <m:limLoc m:val="undOvr"/>
-                          <m:subHide m:val="off"/>
-                          <m:supHide m:val="off"/>
+                          <m:subHide m:val="0"/>
+                          <m:supHide m:val="0"/>
                         </m:naryPr>
                         <m:sub>
                           <m:r>
@@ -6445,8 +6445,8 @@
                         <m:naryPr>
                           <m:chr m:val="∏"/>
                           <m:limLoc m:val="undOvr"/>
-                          <m:subHide m:val="off"/>
-                          <m:supHide m:val="off"/>
+                          <m:subHide m:val="0"/>
+                          <m:supHide m:val="0"/>
                         </m:naryPr>
                         <m:sub>
                           <m:r>
@@ -6473,8 +6473,8 @@
                                     <m:naryPr>
                                       <m:chr m:val="∑"/>
                                       <m:limLoc m:val="undOvr"/>
-                                      <m:subHide m:val="off"/>
-                                      <m:supHide m:val="off"/>
+                                      <m:subHide m:val="0"/>
+                                      <m:supHide m:val="0"/>
                                     </m:naryPr>
                                     <m:sub>
                                       <m:r>
@@ -6685,7 +6685,7 @@
                       <m:m>
                         <m:mPr>
                           <m:baseJc m:val="center"/>
-                          <m:plcHide m:val="on"/>
+                          <m:plcHide m:val="1"/>
                           <m:mcs>
                             <m:mc>
                               <m:mcPr>
@@ -6742,8 +6742,8 @@
                                   <m:naryPr>
                                     <m:chr m:val="∏"/>
                                     <m:limLoc m:val="undOvr"/>
-                                    <m:subHide m:val="off"/>
-                                    <m:supHide m:val="off"/>
+                                    <m:subHide m:val="0"/>
+                                    <m:supHide m:val="0"/>
                                   </m:naryPr>
                                   <m:sub>
                                     <m:r>
@@ -6786,8 +6786,8 @@
                                   <m:naryPr>
                                     <m:chr m:val="∑"/>
                                     <m:limLoc m:val="undOvr"/>
-                                    <m:subHide m:val="off"/>
-                                    <m:supHide m:val="off"/>
+                                    <m:subHide m:val="0"/>
+                                    <m:supHide m:val="0"/>
                                   </m:naryPr>
                                   <m:sub>
                                     <m:r>
@@ -6842,8 +6842,8 @@
                                   <m:naryPr>
                                     <m:chr m:val="∏"/>
                                     <m:limLoc m:val="undOvr"/>
-                                    <m:subHide m:val="off"/>
-                                    <m:supHide m:val="off"/>
+                                    <m:subHide m:val="0"/>
+                                    <m:supHide m:val="0"/>
                                   </m:naryPr>
                                   <m:sub>
                                     <m:r>
@@ -6893,8 +6893,8 @@
                                   <m:naryPr>
                                     <m:chr m:val="∑"/>
                                     <m:limLoc m:val="undOvr"/>
-                                    <m:subHide m:val="off"/>
-                                    <m:supHide m:val="off"/>
+                                    <m:subHide m:val="0"/>
+                                    <m:supHide m:val="0"/>
                                   </m:naryPr>
                                   <m:sub>
                                     <m:r>
@@ -7212,8 +7212,8 @@
                               <m:naryPr>
                                 <m:chr m:val="∏"/>
                                 <m:limLoc m:val="undOvr"/>
-                                <m:subHide m:val="off"/>
-                                <m:supHide m:val="off"/>
+                                <m:subHide m:val="0"/>
+                                <m:supHide m:val="0"/>
                               </m:naryPr>
                               <m:sub>
                                 <m:r>
@@ -7305,8 +7305,8 @@
                                           <m:naryPr>
                                             <m:chr m:val="∑"/>
                                             <m:limLoc m:val="undOvr"/>
-                                            <m:subHide m:val="off"/>
-                                            <m:supHide m:val="off"/>
+                                            <m:subHide m:val="0"/>
+                                            <m:supHide m:val="0"/>
                                           </m:naryPr>
                                           <m:sub>
                                             <m:r>
@@ -7432,8 +7432,8 @@
                                       <m:naryPr>
                                         <m:chr m:val="∏"/>
                                         <m:limLoc m:val="undOvr"/>
-                                        <m:subHide m:val="off"/>
-                                        <m:supHide m:val="off"/>
+                                        <m:subHide m:val="0"/>
+                                        <m:supHide m:val="0"/>
                                       </m:naryPr>
                                       <m:sub>
                                         <m:acc>
@@ -7508,8 +7508,8 @@
                                       <m:naryPr>
                                         <m:chr m:val="∑"/>
                                         <m:limLoc m:val="undOvr"/>
-                                        <m:subHide m:val="off"/>
-                                        <m:supHide m:val="off"/>
+                                        <m:subHide m:val="0"/>
+                                        <m:supHide m:val="0"/>
                                       </m:naryPr>
                                       <m:sub>
                                         <m:r>
@@ -7604,9 +7604,6 @@
                               </m:e>
                             </m:d>
                           </m:e>
-                        </m:mr>
-                        <m:mr>
-                          <m:e/>
                         </m:mr>
                       </m:m>
                     </m:oMath>

--- a/research/UNL_SCM.pptx
+++ b/research/UNL_SCM.pptx
@@ -4271,8 +4271,8 @@
                         <m:naryPr>
                           <m:chr m:val="∑"/>
                           <m:limLoc m:val="undOvr"/>
-                          <m:subHide m:val="0"/>
-                          <m:supHide m:val="0"/>
+                          <m:subHide m:val="off"/>
+                          <m:supHide m:val="off"/>
                         </m:naryPr>
                         <m:sub>
                           <m:r>
@@ -4298,8 +4298,8 @@
                             <m:naryPr>
                               <m:chr m:val="∑"/>
                               <m:limLoc m:val="undOvr"/>
-                              <m:subHide m:val="0"/>
-                              <m:supHide m:val="0"/>
+                              <m:subHide m:val="off"/>
+                              <m:supHide m:val="off"/>
                             </m:naryPr>
                             <m:sub>
                               <m:r>
@@ -4375,8 +4375,8 @@
                         <m:naryPr>
                           <m:chr m:val="∑"/>
                           <m:limLoc m:val="undOvr"/>
-                          <m:subHide m:val="0"/>
-                          <m:supHide m:val="0"/>
+                          <m:subHide m:val="off"/>
+                          <m:supHide m:val="off"/>
                         </m:naryPr>
                         <m:sub>
                           <m:r>
@@ -4402,8 +4402,8 @@
                             <m:naryPr>
                               <m:chr m:val="∑"/>
                               <m:limLoc m:val="undOvr"/>
-                              <m:subHide m:val="0"/>
-                              <m:supHide m:val="0"/>
+                              <m:subHide m:val="off"/>
+                              <m:supHide m:val="off"/>
                             </m:naryPr>
                             <m:sub>
                               <m:r>
@@ -4486,8 +4486,8 @@
                         <m:naryPr>
                           <m:chr m:val="∑"/>
                           <m:limLoc m:val="undOvr"/>
-                          <m:subHide m:val="0"/>
-                          <m:supHide m:val="0"/>
+                          <m:subHide m:val="off"/>
+                          <m:supHide m:val="off"/>
                         </m:naryPr>
                         <m:sub>
                           <m:r>
@@ -5459,8 +5459,8 @@
                         <m:naryPr>
                           <m:chr m:val="∑"/>
                           <m:limLoc m:val="undOvr"/>
-                          <m:subHide m:val="0"/>
-                          <m:supHide m:val="0"/>
+                          <m:subHide m:val="off"/>
+                          <m:supHide m:val="off"/>
                         </m:naryPr>
                         <m:sub>
                           <m:r>
@@ -5815,8 +5815,8 @@
                         <m:naryPr>
                           <m:chr m:val="∑"/>
                           <m:limLoc m:val="undOvr"/>
-                          <m:subHide m:val="0"/>
-                          <m:supHide m:val="0"/>
+                          <m:subHide m:val="off"/>
+                          <m:supHide m:val="off"/>
                         </m:naryPr>
                         <m:sub>
                           <m:r>
@@ -5887,8 +5887,8 @@
                         <m:naryPr>
                           <m:chr m:val="∑"/>
                           <m:limLoc m:val="undOvr"/>
-                          <m:subHide m:val="0"/>
-                          <m:supHide m:val="0"/>
+                          <m:subHide m:val="off"/>
+                          <m:supHide m:val="off"/>
                         </m:naryPr>
                         <m:sub>
                           <m:r>
@@ -6029,8 +6029,8 @@
                         <m:naryPr>
                           <m:chr m:val="∑"/>
                           <m:limLoc m:val="undOvr"/>
-                          <m:subHide m:val="0"/>
-                          <m:supHide m:val="0"/>
+                          <m:subHide m:val="off"/>
+                          <m:supHide m:val="off"/>
                         </m:naryPr>
                         <m:sub>
                           <m:r>
@@ -6151,8 +6151,8 @@
                         <m:naryPr>
                           <m:chr m:val="∑"/>
                           <m:limLoc m:val="undOvr"/>
-                          <m:subHide m:val="0"/>
-                          <m:supHide m:val="0"/>
+                          <m:subHide m:val="off"/>
+                          <m:supHide m:val="off"/>
                         </m:naryPr>
                         <m:sub>
                           <m:r>
@@ -6445,8 +6445,8 @@
                         <m:naryPr>
                           <m:chr m:val="∏"/>
                           <m:limLoc m:val="undOvr"/>
-                          <m:subHide m:val="0"/>
-                          <m:supHide m:val="0"/>
+                          <m:subHide m:val="off"/>
+                          <m:supHide m:val="off"/>
                         </m:naryPr>
                         <m:sub>
                           <m:r>
@@ -6473,8 +6473,8 @@
                                     <m:naryPr>
                                       <m:chr m:val="∑"/>
                                       <m:limLoc m:val="undOvr"/>
-                                      <m:subHide m:val="0"/>
-                                      <m:supHide m:val="0"/>
+                                      <m:subHide m:val="off"/>
+                                      <m:supHide m:val="off"/>
                                     </m:naryPr>
                                     <m:sub>
                                       <m:r>
@@ -6685,7 +6685,7 @@
                       <m:m>
                         <m:mPr>
                           <m:baseJc m:val="center"/>
-                          <m:plcHide m:val="1"/>
+                          <m:plcHide m:val="on"/>
                           <m:mcs>
                             <m:mc>
                               <m:mcPr>
@@ -6742,8 +6742,8 @@
                                   <m:naryPr>
                                     <m:chr m:val="∏"/>
                                     <m:limLoc m:val="undOvr"/>
-                                    <m:subHide m:val="0"/>
-                                    <m:supHide m:val="0"/>
+                                    <m:subHide m:val="off"/>
+                                    <m:supHide m:val="off"/>
                                   </m:naryPr>
                                   <m:sub>
                                     <m:r>
@@ -6786,8 +6786,8 @@
                                   <m:naryPr>
                                     <m:chr m:val="∑"/>
                                     <m:limLoc m:val="undOvr"/>
-                                    <m:subHide m:val="0"/>
-                                    <m:supHide m:val="0"/>
+                                    <m:subHide m:val="off"/>
+                                    <m:supHide m:val="off"/>
                                   </m:naryPr>
                                   <m:sub>
                                     <m:r>
@@ -6842,8 +6842,8 @@
                                   <m:naryPr>
                                     <m:chr m:val="∏"/>
                                     <m:limLoc m:val="undOvr"/>
-                                    <m:subHide m:val="0"/>
-                                    <m:supHide m:val="0"/>
+                                    <m:subHide m:val="off"/>
+                                    <m:supHide m:val="off"/>
                                   </m:naryPr>
                                   <m:sub>
                                     <m:r>
@@ -6893,8 +6893,8 @@
                                   <m:naryPr>
                                     <m:chr m:val="∑"/>
                                     <m:limLoc m:val="undOvr"/>
-                                    <m:subHide m:val="0"/>
-                                    <m:supHide m:val="0"/>
+                                    <m:subHide m:val="off"/>
+                                    <m:supHide m:val="off"/>
                                   </m:naryPr>
                                   <m:sub>
                                     <m:r>
@@ -7212,8 +7212,8 @@
                               <m:naryPr>
                                 <m:chr m:val="∏"/>
                                 <m:limLoc m:val="undOvr"/>
-                                <m:subHide m:val="0"/>
-                                <m:supHide m:val="0"/>
+                                <m:subHide m:val="off"/>
+                                <m:supHide m:val="off"/>
                               </m:naryPr>
                               <m:sub>
                                 <m:r>
@@ -7305,8 +7305,8 @@
                                           <m:naryPr>
                                             <m:chr m:val="∑"/>
                                             <m:limLoc m:val="undOvr"/>
-                                            <m:subHide m:val="0"/>
-                                            <m:supHide m:val="0"/>
+                                            <m:subHide m:val="off"/>
+                                            <m:supHide m:val="off"/>
                                           </m:naryPr>
                                           <m:sub>
                                             <m:r>
@@ -7432,8 +7432,8 @@
                                       <m:naryPr>
                                         <m:chr m:val="∏"/>
                                         <m:limLoc m:val="undOvr"/>
-                                        <m:subHide m:val="0"/>
-                                        <m:supHide m:val="0"/>
+                                        <m:subHide m:val="off"/>
+                                        <m:supHide m:val="off"/>
                                       </m:naryPr>
                                       <m:sub>
                                         <m:acc>
@@ -7508,8 +7508,8 @@
                                       <m:naryPr>
                                         <m:chr m:val="∑"/>
                                         <m:limLoc m:val="undOvr"/>
-                                        <m:subHide m:val="0"/>
-                                        <m:supHide m:val="0"/>
+                                        <m:subHide m:val="off"/>
+                                        <m:supHide m:val="off"/>
                                       </m:naryPr>
                                       <m:sub>
                                         <m:r>
@@ -7604,6 +7604,9 @@
                               </m:e>
                             </m:d>
                           </m:e>
+                        </m:mr>
+                        <m:mr>
+                          <m:e/>
                         </m:mr>
                       </m:m>
                     </m:oMath>
